--- a/2018-01-09-DF-JPA-Pitfalls.pptx
+++ b/2018-01-09-DF-JPA-Pitfalls.pptx
@@ -306,7 +306,7 @@
           <a:p>
             <a:fld id="{433AB391-F064-9643-AD1D-16C0BE7EEBAD}" type="datetimeFigureOut">
               <a:rPr lang="de-DE" smtClean="0"/>
-              <a:t>14.11.17</a:t>
+              <a:t>09.01.18</a:t>
             </a:fld>
             <a:endParaRPr lang="de-DE"/>
           </a:p>
@@ -1843,11 +1843,11 @@
             </a:r>
             <a:r>
               <a:rPr lang="de-DE" dirty="0" smtClean="0"/>
-              <a:t> : (4) </a:t>
+              <a:t> : (5) </a:t>
             </a:r>
             <a:r>
               <a:rPr lang="de-DE" dirty="0" err="1" smtClean="0"/>
-              <a:t>merge</a:t>
+              <a:t>persist</a:t>
             </a:r>
             <a:r>
               <a:rPr lang="de-DE" dirty="0" smtClean="0"/>
@@ -1872,7 +1872,7 @@
               <a:rPr lang="de-DE" dirty="0" err="1" smtClean="0">
                 <a:effectLst/>
               </a:rPr>
-              <a:t>merge</a:t>
+              <a:t>persist</a:t>
             </a:r>
             <a:endParaRPr lang="de-DE" dirty="0" smtClean="0"/>
           </a:p>
@@ -1972,7 +1972,7 @@
             </a:r>
             <a:r>
               <a:rPr lang="de-DE" dirty="0" smtClean="0"/>
-              <a:t> : (5) </a:t>
+              <a:t> : (6) </a:t>
             </a:r>
             <a:r>
               <a:rPr lang="de-DE" dirty="0" err="1" smtClean="0"/>
@@ -5787,7 +5787,7 @@
           <a:p>
             <a:fld id="{F83D804D-B1FF-3445-B74B-E1902EDCF3B2}" type="datetime1">
               <a:rPr lang="de-DE" smtClean="0"/>
-              <a:t>14.11.17</a:t>
+              <a:t>09.01.18</a:t>
             </a:fld>
             <a:endParaRPr lang="de-DE"/>
           </a:p>
@@ -6171,7 +6171,7 @@
           <a:p>
             <a:fld id="{5882B6C0-5A1E-2048-8776-CE11CE5C9FB6}" type="datetime1">
               <a:rPr lang="de-DE" smtClean="0"/>
-              <a:t>14.11.17</a:t>
+              <a:t>09.01.18</a:t>
             </a:fld>
             <a:endParaRPr lang="de-DE"/>
           </a:p>
@@ -9428,7 +9428,7 @@
           <a:p>
             <a:fld id="{C58B71C2-6347-8A42-9511-CBEFEE28CC08}" type="datetime1">
               <a:rPr lang="de-DE" smtClean="0"/>
-              <a:t>14.11.17</a:t>
+              <a:t>09.01.18</a:t>
             </a:fld>
             <a:endParaRPr lang="de-DE"/>
           </a:p>
@@ -9702,7 +9702,7 @@
           <a:p>
             <a:fld id="{68C14B45-0029-6046-B705-490F949C6771}" type="datetime1">
               <a:rPr lang="de-DE" smtClean="0"/>
-              <a:t>14.11.17</a:t>
+              <a:t>09.01.18</a:t>
             </a:fld>
             <a:endParaRPr lang="de-DE"/>
           </a:p>
@@ -10321,7 +10321,7 @@
           <a:p>
             <a:fld id="{08ED7225-290C-1D4B-A00D-F36093D4B0C9}" type="datetime1">
               <a:rPr lang="de-DE" smtClean="0"/>
-              <a:t>14.11.17</a:t>
+              <a:t>09.01.18</a:t>
             </a:fld>
             <a:endParaRPr lang="de-DE"/>
           </a:p>
@@ -10806,7 +10806,7 @@
           <a:p>
             <a:fld id="{FA3755DB-3A15-3248-8B53-6901EF8CCFC1}" type="datetime1">
               <a:rPr lang="de-DE" smtClean="0"/>
-              <a:t>14.11.17</a:t>
+              <a:t>09.01.18</a:t>
             </a:fld>
             <a:endParaRPr lang="de-DE"/>
           </a:p>
@@ -11116,7 +11116,7 @@
           <a:p>
             <a:fld id="{EBA03CFD-94BB-E34B-B31A-CF6AF51CD07E}" type="datetime1">
               <a:rPr lang="de-DE" smtClean="0"/>
-              <a:t>14.11.17</a:t>
+              <a:t>09.01.18</a:t>
             </a:fld>
             <a:endParaRPr lang="de-DE"/>
           </a:p>
@@ -11551,7 +11551,7 @@
           <a:p>
             <a:fld id="{A56E7CC8-C9CF-8142-A8C1-5B4E1659A332}" type="datetime1">
               <a:rPr lang="de-DE" smtClean="0"/>
-              <a:t>14.11.17</a:t>
+              <a:t>09.01.18</a:t>
             </a:fld>
             <a:endParaRPr lang="de-DE"/>
           </a:p>
@@ -11952,7 +11952,7 @@
           <a:p>
             <a:fld id="{72BBEFD7-CB87-F245-B46B-6B59D2499ED3}" type="datetime1">
               <a:rPr lang="de-DE" smtClean="0"/>
-              <a:t>14.11.17</a:t>
+              <a:t>09.01.18</a:t>
             </a:fld>
             <a:endParaRPr lang="de-DE"/>
           </a:p>
@@ -12080,7 +12080,6 @@
               <a:rPr lang="de-DE" b="1" dirty="0" smtClean="0"/>
               <a:t>? </a:t>
             </a:r>
-            <a:endParaRPr lang="de-DE" b="1" dirty="0" smtClean="0"/>
           </a:p>
           <a:p>
             <a:pPr marL="685800" lvl="2" indent="0">
@@ -12215,11 +12214,7 @@
             <a:pPr lvl="1"/>
             <a:r>
               <a:rPr lang="de-DE" dirty="0" smtClean="0"/>
-              <a:t>Außerhalb einer TX</a:t>
-            </a:r>
-            <a:r>
-              <a:rPr lang="de-DE" dirty="0" smtClean="0"/>
-              <a:t> </a:t>
+              <a:t>Außerhalb einer TX </a:t>
             </a:r>
             <a:endParaRPr lang="de-DE" sz="2000" dirty="0">
               <a:latin typeface="Courier New" charset="0"/>
@@ -12302,7 +12297,7 @@
           <a:p>
             <a:fld id="{72BBEFD7-CB87-F245-B46B-6B59D2499ED3}" type="datetime1">
               <a:rPr lang="de-DE" smtClean="0"/>
-              <a:t>14.11.17</a:t>
+              <a:t>09.01.18</a:t>
             </a:fld>
             <a:endParaRPr lang="de-DE"/>
           </a:p>
@@ -12574,7 +12569,7 @@
           <a:p>
             <a:fld id="{0DE1AD2E-1A24-3A40-9366-C084BD9E2DDA}" type="datetime1">
               <a:rPr lang="de-DE" smtClean="0"/>
-              <a:t>14.11.17</a:t>
+              <a:t>09.01.18</a:t>
             </a:fld>
             <a:endParaRPr lang="de-DE"/>
           </a:p>
@@ -12751,7 +12746,7 @@
           <a:p>
             <a:fld id="{0DE1AD2E-1A24-3A40-9366-C084BD9E2DDA}" type="datetime1">
               <a:rPr lang="de-DE" smtClean="0"/>
-              <a:t>14.11.17</a:t>
+              <a:t>09.01.18</a:t>
             </a:fld>
             <a:endParaRPr lang="de-DE"/>
           </a:p>
@@ -13185,7 +13180,7 @@
                 <a:ea typeface="Courier New" charset="0"/>
                 <a:cs typeface="Courier New" charset="0"/>
               </a:rPr>
-              <a:t>()</a:t>
+              <a:t>( ... )</a:t>
             </a:r>
             <a:r>
               <a:rPr lang="de-DE" sz="2000" dirty="0">
@@ -13282,7 +13277,7 @@
           <a:p>
             <a:fld id="{4BEBCBD9-FF91-1D44-80A3-F726896079A4}" type="datetime1">
               <a:rPr lang="de-DE" smtClean="0"/>
-              <a:t>14.11.17</a:t>
+              <a:t>09.01.18</a:t>
             </a:fld>
             <a:endParaRPr lang="de-DE"/>
           </a:p>
@@ -13488,7 +13483,7 @@
           <a:p>
             <a:fld id="{9C30B2D2-8E82-CB4D-9F96-067287813C01}" type="datetime1">
               <a:rPr lang="de-DE" smtClean="0"/>
-              <a:t>14.11.17</a:t>
+              <a:t>09.01.18</a:t>
             </a:fld>
             <a:endParaRPr lang="de-DE"/>
           </a:p>
@@ -13707,7 +13702,7 @@
           <a:p>
             <a:fld id="{9C30B2D2-8E82-CB4D-9F96-067287813C01}" type="datetime1">
               <a:rPr lang="de-DE" smtClean="0"/>
-              <a:t>14.11.17</a:t>
+              <a:t>09.01.18</a:t>
             </a:fld>
             <a:endParaRPr lang="de-DE"/>
           </a:p>
@@ -14137,7 +14132,7 @@
           <a:p>
             <a:fld id="{62C6873C-8111-7F45-A7BE-933B4DE2F40D}" type="datetime1">
               <a:rPr lang="de-DE" smtClean="0"/>
-              <a:t>14.11.17</a:t>
+              <a:t>09.01.18</a:t>
             </a:fld>
             <a:endParaRPr lang="de-DE"/>
           </a:p>
@@ -14664,7 +14659,7 @@
           <a:p>
             <a:fld id="{CE4A19BA-41E2-C042-8713-45BADC4EE82A}" type="datetime1">
               <a:rPr lang="de-DE" smtClean="0"/>
-              <a:t>14.11.17</a:t>
+              <a:t>09.01.18</a:t>
             </a:fld>
             <a:endParaRPr lang="de-DE"/>
           </a:p>
@@ -15245,7 +15240,7 @@
           <a:p>
             <a:fld id="{C266EE62-481F-2F48-8D5C-A71639B4BBF5}" type="datetime1">
               <a:rPr lang="de-DE" smtClean="0"/>
-              <a:t>14.11.17</a:t>
+              <a:t>09.01.18</a:t>
             </a:fld>
             <a:endParaRPr lang="de-DE"/>
           </a:p>
@@ -15449,7 +15444,7 @@
           <a:p>
             <a:fld id="{6BCCCC64-9CD8-E04D-BADD-1EDEE83CAAAB}" type="datetime1">
               <a:rPr lang="de-DE" smtClean="0"/>
-              <a:t>14.11.17</a:t>
+              <a:t>09.01.18</a:t>
             </a:fld>
             <a:endParaRPr lang="de-DE"/>
           </a:p>
@@ -16157,7 +16152,7 @@
           <a:p>
             <a:fld id="{47DA42F9-2F5E-A94D-8018-6CC78E4F8339}" type="datetime1">
               <a:rPr lang="de-DE" smtClean="0"/>
-              <a:t>14.11.17</a:t>
+              <a:t>09.01.18</a:t>
             </a:fld>
             <a:endParaRPr lang="de-DE"/>
           </a:p>
@@ -17078,7 +17073,7 @@
           <a:p>
             <a:fld id="{60BEC9BC-754D-1146-83C2-E61B477F4834}" type="datetime1">
               <a:rPr lang="de-DE" smtClean="0"/>
-              <a:t>14.11.17</a:t>
+              <a:t>09.01.18</a:t>
             </a:fld>
             <a:endParaRPr lang="de-DE"/>
           </a:p>
@@ -17491,7 +17486,7 @@
           <a:p>
             <a:fld id="{0210BB53-AE57-2F40-9E22-D0FE241E0439}" type="datetime1">
               <a:rPr lang="de-DE" smtClean="0"/>
-              <a:t>14.11.17</a:t>
+              <a:t>09.01.18</a:t>
             </a:fld>
             <a:endParaRPr lang="de-DE"/>
           </a:p>
